--- a/c9-c14camera3DNetwork/L11servoMotor/L11_3free3dV1.pptx
+++ b/c9-c14camera3DNetwork/L11servoMotor/L11_3free3dV1.pptx
@@ -263,7 +263,7 @@
           <a:p>
             <a:fld id="{5CE4917F-D4FA-4878-AAFB-EB362797BB89}" type="datetimeFigureOut">
               <a:rPr lang="en-US" smtClean="0"/>
-              <a:t>11/28/2024</a:t>
+              <a:t>11/29/2024</a:t>
             </a:fld>
             <a:endParaRPr lang="en-US"/>
           </a:p>
@@ -461,7 +461,7 @@
           <a:p>
             <a:fld id="{5CE4917F-D4FA-4878-AAFB-EB362797BB89}" type="datetimeFigureOut">
               <a:rPr lang="en-US" smtClean="0"/>
-              <a:t>11/28/2024</a:t>
+              <a:t>11/29/2024</a:t>
             </a:fld>
             <a:endParaRPr lang="en-US"/>
           </a:p>
@@ -669,7 +669,7 @@
           <a:p>
             <a:fld id="{5CE4917F-D4FA-4878-AAFB-EB362797BB89}" type="datetimeFigureOut">
               <a:rPr lang="en-US" smtClean="0"/>
-              <a:t>11/28/2024</a:t>
+              <a:t>11/29/2024</a:t>
             </a:fld>
             <a:endParaRPr lang="en-US"/>
           </a:p>
@@ -867,7 +867,7 @@
           <a:p>
             <a:fld id="{5CE4917F-D4FA-4878-AAFB-EB362797BB89}" type="datetimeFigureOut">
               <a:rPr lang="en-US" smtClean="0"/>
-              <a:t>11/28/2024</a:t>
+              <a:t>11/29/2024</a:t>
             </a:fld>
             <a:endParaRPr lang="en-US"/>
           </a:p>
@@ -1142,7 +1142,7 @@
           <a:p>
             <a:fld id="{5CE4917F-D4FA-4878-AAFB-EB362797BB89}" type="datetimeFigureOut">
               <a:rPr lang="en-US" smtClean="0"/>
-              <a:t>11/28/2024</a:t>
+              <a:t>11/29/2024</a:t>
             </a:fld>
             <a:endParaRPr lang="en-US"/>
           </a:p>
@@ -1407,7 +1407,7 @@
           <a:p>
             <a:fld id="{5CE4917F-D4FA-4878-AAFB-EB362797BB89}" type="datetimeFigureOut">
               <a:rPr lang="en-US" smtClean="0"/>
-              <a:t>11/28/2024</a:t>
+              <a:t>11/29/2024</a:t>
             </a:fld>
             <a:endParaRPr lang="en-US"/>
           </a:p>
@@ -1819,7 +1819,7 @@
           <a:p>
             <a:fld id="{5CE4917F-D4FA-4878-AAFB-EB362797BB89}" type="datetimeFigureOut">
               <a:rPr lang="en-US" smtClean="0"/>
-              <a:t>11/28/2024</a:t>
+              <a:t>11/29/2024</a:t>
             </a:fld>
             <a:endParaRPr lang="en-US"/>
           </a:p>
@@ -1960,7 +1960,7 @@
           <a:p>
             <a:fld id="{5CE4917F-D4FA-4878-AAFB-EB362797BB89}" type="datetimeFigureOut">
               <a:rPr lang="en-US" smtClean="0"/>
-              <a:t>11/28/2024</a:t>
+              <a:t>11/29/2024</a:t>
             </a:fld>
             <a:endParaRPr lang="en-US"/>
           </a:p>
@@ -2073,7 +2073,7 @@
           <a:p>
             <a:fld id="{5CE4917F-D4FA-4878-AAFB-EB362797BB89}" type="datetimeFigureOut">
               <a:rPr lang="en-US" smtClean="0"/>
-              <a:t>11/28/2024</a:t>
+              <a:t>11/29/2024</a:t>
             </a:fld>
             <a:endParaRPr lang="en-US"/>
           </a:p>
@@ -2384,7 +2384,7 @@
           <a:p>
             <a:fld id="{5CE4917F-D4FA-4878-AAFB-EB362797BB89}" type="datetimeFigureOut">
               <a:rPr lang="en-US" smtClean="0"/>
-              <a:t>11/28/2024</a:t>
+              <a:t>11/29/2024</a:t>
             </a:fld>
             <a:endParaRPr lang="en-US"/>
           </a:p>
@@ -2672,7 +2672,7 @@
           <a:p>
             <a:fld id="{5CE4917F-D4FA-4878-AAFB-EB362797BB89}" type="datetimeFigureOut">
               <a:rPr lang="en-US" smtClean="0"/>
-              <a:t>11/28/2024</a:t>
+              <a:t>11/29/2024</a:t>
             </a:fld>
             <a:endParaRPr lang="en-US"/>
           </a:p>
@@ -2913,7 +2913,7 @@
           <a:p>
             <a:fld id="{5CE4917F-D4FA-4878-AAFB-EB362797BB89}" type="datetimeFigureOut">
               <a:rPr lang="en-US" smtClean="0"/>
-              <a:t>11/28/2024</a:t>
+              <a:t>11/29/2024</a:t>
             </a:fld>
             <a:endParaRPr lang="en-US"/>
           </a:p>
@@ -4634,6 +4634,126 @@
                 </a:solidFill>
               </a:rPr>
               <a:t>.</a:t>
+            </a:r>
+            <a:endParaRPr lang="en-US" sz="1600" dirty="0">
+              <a:solidFill>
+                <a:srgbClr val="C00000"/>
+              </a:solidFill>
+            </a:endParaRPr>
+          </a:p>
+        </p:txBody>
+      </p:sp>
+      <p:sp>
+        <p:nvSpPr>
+          <p:cNvPr id="4" name="Speech Bubble: Rectangle with Corners Rounded 3">
+            <a:extLst>
+              <a:ext uri="{FF2B5EF4-FFF2-40B4-BE49-F238E27FC236}">
+                <a16:creationId xmlns:a16="http://schemas.microsoft.com/office/drawing/2014/main" id="{F226254D-1DCA-43B6-190B-3F175D26BC28}"/>
+              </a:ext>
+            </a:extLst>
+          </p:cNvPr>
+          <p:cNvSpPr/>
+          <p:nvPr/>
+        </p:nvSpPr>
+        <p:spPr>
+          <a:xfrm>
+            <a:off x="2355021" y="5271279"/>
+            <a:ext cx="2458720" cy="570721"/>
+          </a:xfrm>
+          <a:prstGeom prst="wedgeRoundRectCallout">
+            <a:avLst>
+              <a:gd name="adj1" fmla="val -32034"/>
+              <a:gd name="adj2" fmla="val -597224"/>
+              <a:gd name="adj3" fmla="val 16667"/>
+            </a:avLst>
+          </a:prstGeom>
+          <a:solidFill>
+            <a:schemeClr val="bg1"/>
+          </a:solidFill>
+          <a:ln>
+            <a:solidFill>
+              <a:schemeClr val="accent2">
+                <a:lumMod val="75000"/>
+              </a:schemeClr>
+            </a:solidFill>
+          </a:ln>
+        </p:spPr>
+        <p:style>
+          <a:lnRef idx="2">
+            <a:schemeClr val="accent1">
+              <a:shade val="15000"/>
+            </a:schemeClr>
+          </a:lnRef>
+          <a:fillRef idx="1">
+            <a:schemeClr val="accent1"/>
+          </a:fillRef>
+          <a:effectRef idx="0">
+            <a:schemeClr val="accent1"/>
+          </a:effectRef>
+          <a:fontRef idx="minor">
+            <a:schemeClr val="lt1"/>
+          </a:fontRef>
+        </p:style>
+        <p:txBody>
+          <a:bodyPr rtlCol="0" anchor="ctr"/>
+          <a:lstStyle/>
+          <a:p>
+            <a:pPr algn="ctr"/>
+            <a:r>
+              <a:rPr lang="en-US" sz="1600" dirty="0">
+                <a:solidFill>
+                  <a:srgbClr val="C00000"/>
+                </a:solidFill>
+              </a:rPr>
+              <a:t>*.3ds </a:t>
+            </a:r>
+            <a:r>
+              <a:rPr lang="ko-KR" altLang="en-US" sz="1600" dirty="0">
+                <a:solidFill>
+                  <a:srgbClr val="C00000"/>
+                </a:solidFill>
+              </a:rPr>
+              <a:t>와  </a:t>
+            </a:r>
+            <a:r>
+              <a:rPr lang="en-US" altLang="ko-KR" sz="1600" dirty="0">
+                <a:solidFill>
+                  <a:srgbClr val="C00000"/>
+                </a:solidFill>
+              </a:rPr>
+              <a:t>*.</a:t>
+            </a:r>
+            <a:r>
+              <a:rPr lang="en-US" altLang="ko-KR" sz="1600" dirty="0" err="1">
+                <a:solidFill>
+                  <a:srgbClr val="C00000"/>
+                </a:solidFill>
+              </a:rPr>
+              <a:t>gsm</a:t>
+            </a:r>
+            <a:r>
+              <a:rPr lang="en-US" altLang="ko-KR" sz="1600" dirty="0">
+                <a:solidFill>
+                  <a:srgbClr val="C00000"/>
+                </a:solidFill>
+              </a:rPr>
+              <a:t> </a:t>
+            </a:r>
+            <a:r>
+              <a:rPr lang="ko-KR" altLang="en-US" sz="1600" dirty="0">
+                <a:solidFill>
+                  <a:srgbClr val="C00000"/>
+                </a:solidFill>
+              </a:rPr>
+              <a:t>파일은 지워도 된다</a:t>
+            </a:r>
+            <a:r>
+              <a:rPr lang="en-US" altLang="ko-KR" sz="1600" dirty="0">
+                <a:solidFill>
+                  <a:srgbClr val="C00000"/>
+                </a:solidFill>
+              </a:rPr>
+              <a:t>. </a:t>
             </a:r>
             <a:endParaRPr lang="en-US" sz="1600" dirty="0">
               <a:solidFill>
